--- a/HIDDEN-BRAIN.pptx
+++ b/HIDDEN-BRAIN.pptx
@@ -204,7 +204,7 @@
           <a:p>
             <a:fld id="{AFD01546-198A-4195-BCF8-F0FF54C90E5E}" type="datetimeFigureOut">
               <a:rPr lang="en-US" smtClean="0"/>
-              <a:t>6/23/2022</a:t>
+              <a:t>6/24/2022</a:t>
             </a:fld>
             <a:endParaRPr lang="en-US" dirty="0"/>
           </a:p>
@@ -656,7 +656,7 @@
           <a:p>
             <a:fld id="{88D38747-4367-4BD2-8D51-C97E202738E2}" type="datetime1">
               <a:rPr lang="en-US" smtClean="0"/>
-              <a:t>6/23/2022</a:t>
+              <a:t>6/24/2022</a:t>
             </a:fld>
             <a:endParaRPr lang="en-US" dirty="0"/>
           </a:p>
@@ -960,7 +960,7 @@
           <a:p>
             <a:fld id="{11F1B079-7EF0-44EE-B798-BCC497C9F3B2}" type="datetime1">
               <a:rPr lang="en-US" smtClean="0"/>
-              <a:t>6/23/2022</a:t>
+              <a:t>6/24/2022</a:t>
             </a:fld>
             <a:endParaRPr lang="en-US" dirty="0"/>
           </a:p>
@@ -1154,7 +1154,7 @@
           <a:p>
             <a:fld id="{28FF70A8-1D13-4657-95F0-A9EA54967B8D}" type="datetime1">
               <a:rPr lang="en-US" smtClean="0"/>
-              <a:t>6/23/2022</a:t>
+              <a:t>6/24/2022</a:t>
             </a:fld>
             <a:endParaRPr lang="en-US" dirty="0"/>
           </a:p>
@@ -1417,7 +1417,7 @@
           <a:p>
             <a:fld id="{21EB90AC-71BD-4C7F-8ACA-7B3F18292E63}" type="datetime1">
               <a:rPr lang="en-US" smtClean="0"/>
-              <a:t>6/23/2022</a:t>
+              <a:t>6/24/2022</a:t>
             </a:fld>
             <a:endParaRPr lang="en-US" dirty="0"/>
           </a:p>
@@ -1853,7 +1853,7 @@
           <a:p>
             <a:fld id="{4E6EFC2C-8905-46F0-B443-CE905B76BA01}" type="datetime1">
               <a:rPr lang="en-US" smtClean="0"/>
-              <a:t>6/23/2022</a:t>
+              <a:t>6/24/2022</a:t>
             </a:fld>
             <a:endParaRPr lang="en-US" dirty="0"/>
           </a:p>
@@ -2390,7 +2390,7 @@
           <a:p>
             <a:fld id="{D9079DC3-C9B5-499E-9140-0DC28B7074E2}" type="datetime1">
               <a:rPr lang="en-US" smtClean="0"/>
-              <a:t>6/23/2022</a:t>
+              <a:t>6/24/2022</a:t>
             </a:fld>
             <a:endParaRPr lang="en-US" dirty="0"/>
           </a:p>
@@ -3269,7 +3269,7 @@
           <a:p>
             <a:fld id="{30BB33EA-E472-4D22-9C03-A9C14AA21CED}" type="datetime1">
               <a:rPr lang="en-US" smtClean="0"/>
-              <a:t>6/23/2022</a:t>
+              <a:t>6/24/2022</a:t>
             </a:fld>
             <a:endParaRPr lang="en-US" dirty="0"/>
           </a:p>
@@ -3439,7 +3439,7 @@
           <a:p>
             <a:fld id="{73C55A3C-5767-4844-A0A3-83778C2E5409}" type="datetime1">
               <a:rPr lang="en-US" smtClean="0"/>
-              <a:t>6/23/2022</a:t>
+              <a:t>6/24/2022</a:t>
             </a:fld>
             <a:endParaRPr lang="en-US" dirty="0"/>
           </a:p>
@@ -3683,7 +3683,7 @@
           <a:p>
             <a:fld id="{CAE507A8-A5CF-4D38-AB86-7EDDA87A85D4}" type="datetime1">
               <a:rPr lang="en-US" smtClean="0"/>
-              <a:t>6/23/2022</a:t>
+              <a:t>6/24/2022</a:t>
             </a:fld>
             <a:endParaRPr lang="en-US" dirty="0"/>
           </a:p>
@@ -3925,7 +3925,7 @@
           <a:p>
             <a:fld id="{BDFCD27C-8599-43EF-BA1D-14DDC1946E06}" type="datetime1">
               <a:rPr lang="en-US" smtClean="0"/>
-              <a:t>6/23/2022</a:t>
+              <a:t>6/24/2022</a:t>
             </a:fld>
             <a:endParaRPr lang="en-US" dirty="0"/>
           </a:p>
@@ -4408,7 +4408,7 @@
           <a:p>
             <a:fld id="{49343D99-809A-49C0-96E5-4250D0B498EE}" type="datetime1">
               <a:rPr lang="en-US" smtClean="0"/>
-              <a:t>6/23/2022</a:t>
+              <a:t>6/24/2022</a:t>
             </a:fld>
             <a:endParaRPr lang="en-US" dirty="0"/>
           </a:p>
@@ -4526,7 +4526,7 @@
           <a:p>
             <a:fld id="{A143DE9B-B678-4EFB-BB7D-A4370204A0B0}" type="datetime1">
               <a:rPr lang="en-US" smtClean="0"/>
-              <a:t>6/23/2022</a:t>
+              <a:t>6/24/2022</a:t>
             </a:fld>
             <a:endParaRPr lang="en-US" dirty="0"/>
           </a:p>
@@ -4621,7 +4621,7 @@
           <a:p>
             <a:fld id="{E68812DA-F765-4142-A6A3-A8ED7235E082}" type="datetime1">
               <a:rPr lang="en-US" smtClean="0"/>
-              <a:t>6/23/2022</a:t>
+              <a:t>6/24/2022</a:t>
             </a:fld>
             <a:endParaRPr lang="en-US" dirty="0"/>
           </a:p>
@@ -4876,7 +4876,7 @@
           <a:p>
             <a:fld id="{3E0277FD-7DE6-41D4-930D-AC99F5AFE54E}" type="datetime1">
               <a:rPr lang="en-US" smtClean="0"/>
-              <a:t>6/23/2022</a:t>
+              <a:t>6/24/2022</a:t>
             </a:fld>
             <a:endParaRPr lang="en-US" dirty="0"/>
           </a:p>
@@ -5182,7 +5182,7 @@
           <a:p>
             <a:fld id="{9EA15526-7079-4B7B-987C-1B5FAE11A0FF}" type="datetime1">
               <a:rPr lang="en-US" smtClean="0"/>
-              <a:t>6/23/2022</a:t>
+              <a:t>6/24/2022</a:t>
             </a:fld>
             <a:endParaRPr lang="en-US" dirty="0"/>
           </a:p>
@@ -5417,7 +5417,7 @@
           <a:p>
             <a:fld id="{073ED0CC-082F-4160-86E5-0D6041F12778}" type="datetime1">
               <a:rPr lang="en-US" smtClean="0"/>
-              <a:t>6/23/2022</a:t>
+              <a:t>6/24/2022</a:t>
             </a:fld>
             <a:endParaRPr lang="en-US" dirty="0"/>
           </a:p>
@@ -6375,7 +6375,7 @@
         </p:blipFill>
         <p:spPr>
           <a:xfrm>
-            <a:off x="20" y="10"/>
+            <a:off x="8646" y="10"/>
             <a:ext cx="12191980" cy="6857990"/>
           </a:xfrm>
           <a:prstGeom prst="rect">
@@ -6397,8 +6397,8 @@
         </p:nvSpPr>
         <p:spPr>
           <a:xfrm flipH="1">
-            <a:off x="1161546" y="951442"/>
-            <a:ext cx="9868907" cy="4955115"/>
+            <a:off x="1170182" y="911537"/>
+            <a:ext cx="9868907" cy="5034925"/>
           </a:xfrm>
           <a:prstGeom prst="roundRect">
             <a:avLst/>
@@ -6423,7 +6423,7 @@
                 <a:spcPct val="150000"/>
               </a:lnSpc>
             </a:pPr>
-            <a:endParaRPr lang="en-US" sz="1600" b="1" dirty="0">
+            <a:endParaRPr lang="en-US" sz="1500" b="1" dirty="0">
               <a:solidFill>
                 <a:schemeClr val="bg1"/>
               </a:solidFill>
@@ -6439,7 +6439,7 @@
               </a:lnSpc>
             </a:pPr>
             <a:r>
-              <a:rPr lang="en-US" sz="1600" b="1" u="sng" dirty="0">
+              <a:rPr lang="en-US" sz="1500" b="1" u="sng" dirty="0">
                 <a:solidFill>
                   <a:schemeClr val="bg1"/>
                 </a:solidFill>
@@ -6459,7 +6459,7 @@
               <a:buChar char="•"/>
             </a:pPr>
             <a:r>
-              <a:rPr lang="en-US" sz="1600" dirty="0">
+              <a:rPr lang="en-US" sz="1500" dirty="0">
                 <a:solidFill>
                   <a:schemeClr val="bg1"/>
                 </a:solidFill>
@@ -6470,7 +6470,7 @@
               <a:t>User (</a:t>
             </a:r>
             <a:r>
-              <a:rPr lang="en-US" sz="1600" b="1" u="sng" dirty="0" err="1">
+              <a:rPr lang="en-US" sz="1500" b="1" u="sng" dirty="0" err="1">
                 <a:solidFill>
                   <a:schemeClr val="bg1"/>
                 </a:solidFill>
@@ -6481,7 +6481,7 @@
               <a:t>user_id</a:t>
             </a:r>
             <a:r>
-              <a:rPr lang="en-US" sz="1600" dirty="0">
+              <a:rPr lang="en-US" sz="1500" dirty="0">
                 <a:solidFill>
                   <a:schemeClr val="bg1"/>
                 </a:solidFill>
@@ -6492,7 +6492,7 @@
               <a:t>, name, email, pass, image, gender, type, </a:t>
             </a:r>
             <a:r>
-              <a:rPr lang="en-US" sz="1600" dirty="0" err="1">
+              <a:rPr lang="en-US" sz="1500" dirty="0" err="1">
                 <a:solidFill>
                   <a:schemeClr val="bg1"/>
                 </a:solidFill>
@@ -6503,7 +6503,7 @@
               <a:t>phone_number</a:t>
             </a:r>
             <a:r>
-              <a:rPr lang="en-US" sz="1600" dirty="0">
+              <a:rPr lang="en-US" sz="1500" dirty="0">
                 <a:solidFill>
                   <a:schemeClr val="bg1"/>
                 </a:solidFill>
@@ -6514,7 +6514,7 @@
               <a:t>, </a:t>
             </a:r>
             <a:r>
-              <a:rPr lang="en-US" sz="1600" dirty="0" err="1">
+              <a:rPr lang="en-US" sz="1500" dirty="0" err="1">
                 <a:solidFill>
                   <a:schemeClr val="bg1"/>
                 </a:solidFill>
@@ -6525,7 +6525,7 @@
               <a:t>date_of_birth</a:t>
             </a:r>
             <a:r>
-              <a:rPr lang="en-US" sz="1600" dirty="0">
+              <a:rPr lang="en-US" sz="1500" dirty="0">
                 <a:solidFill>
                   <a:schemeClr val="bg1"/>
                 </a:solidFill>
@@ -6545,7 +6545,7 @@
               <a:buChar char="•"/>
             </a:pPr>
             <a:r>
-              <a:rPr lang="en-US" sz="1600" dirty="0">
+              <a:rPr lang="en-US" sz="1500" dirty="0">
                 <a:solidFill>
                   <a:schemeClr val="bg1"/>
                 </a:solidFill>
@@ -6556,7 +6556,7 @@
               <a:t>Student (</a:t>
             </a:r>
             <a:r>
-              <a:rPr lang="en-US" sz="1600" b="1" u="sng" dirty="0" err="1">
+              <a:rPr lang="en-US" sz="1500" b="1" u="sng" dirty="0" err="1">
                 <a:solidFill>
                   <a:schemeClr val="bg1"/>
                 </a:solidFill>
@@ -6567,18 +6567,18 @@
               <a:t>student_id</a:t>
             </a:r>
             <a:r>
-              <a:rPr lang="en-US" sz="1600" dirty="0">
-                <a:solidFill>
-                  <a:schemeClr val="bg1"/>
-                </a:solidFill>
-                <a:latin typeface="Cambria Math" panose="02040503050406030204" pitchFamily="18" charset="0"/>
-                <a:ea typeface="Cambria Math" panose="02040503050406030204" pitchFamily="18" charset="0"/>
-                <a:cs typeface="Arial" panose="020B0604020202020204" pitchFamily="34" charset="0"/>
-              </a:rPr>
-              <a:t>, class, school, version, </a:t>
-            </a:r>
-            <a:r>
-              <a:rPr lang="en-US" sz="1600" dirty="0" err="1">
+              <a:rPr lang="en-US" sz="1500" dirty="0">
+                <a:solidFill>
+                  <a:schemeClr val="bg1"/>
+                </a:solidFill>
+                <a:latin typeface="Cambria Math" panose="02040503050406030204" pitchFamily="18" charset="0"/>
+                <a:ea typeface="Cambria Math" panose="02040503050406030204" pitchFamily="18" charset="0"/>
+                <a:cs typeface="Arial" panose="020B0604020202020204" pitchFamily="34" charset="0"/>
+              </a:rPr>
+              <a:t>, school, version, class, </a:t>
+            </a:r>
+            <a:r>
+              <a:rPr lang="en-US" sz="1500" dirty="0" err="1">
                 <a:solidFill>
                   <a:schemeClr val="bg1"/>
                 </a:solidFill>
@@ -6589,7 +6589,7 @@
               <a:t>address_id</a:t>
             </a:r>
             <a:r>
-              <a:rPr lang="en-US" sz="1600" dirty="0">
+              <a:rPr lang="en-US" sz="1500" dirty="0">
                 <a:solidFill>
                   <a:schemeClr val="bg1"/>
                 </a:solidFill>
@@ -6609,7 +6609,7 @@
               <a:buChar char="•"/>
             </a:pPr>
             <a:r>
-              <a:rPr lang="en-US" sz="1600" dirty="0">
+              <a:rPr lang="en-US" sz="1500" dirty="0">
                 <a:solidFill>
                   <a:schemeClr val="bg1"/>
                 </a:solidFill>
@@ -6620,7 +6620,7 @@
               <a:t>Tutor (</a:t>
             </a:r>
             <a:r>
-              <a:rPr lang="en-US" sz="1600" b="1" u="sng" dirty="0">
+              <a:rPr lang="en-US" sz="1500" b="1" u="sng" dirty="0">
                 <a:solidFill>
                   <a:schemeClr val="bg1"/>
                 </a:solidFill>
@@ -6631,7 +6631,7 @@
               <a:t>tutor_id</a:t>
             </a:r>
             <a:r>
-              <a:rPr lang="en-US" sz="1600" dirty="0">
+              <a:rPr lang="en-US" sz="1500" dirty="0">
                 <a:solidFill>
                   <a:schemeClr val="bg1"/>
                 </a:solidFill>
@@ -6642,7 +6642,7 @@
               <a:t>, status, </a:t>
             </a:r>
             <a:r>
-              <a:rPr lang="en-US" sz="1600" dirty="0" err="1">
+              <a:rPr lang="en-US" sz="1500" dirty="0" err="1">
                 <a:solidFill>
                   <a:schemeClr val="bg1"/>
                 </a:solidFill>
@@ -6653,7 +6653,7 @@
               <a:t>years_of_experience</a:t>
             </a:r>
             <a:r>
-              <a:rPr lang="en-US" sz="1600" dirty="0">
+              <a:rPr lang="en-US" sz="1500" dirty="0">
                 <a:solidFill>
                   <a:schemeClr val="bg1"/>
                 </a:solidFill>
@@ -6664,7 +6664,7 @@
               <a:t>, </a:t>
             </a:r>
             <a:r>
-              <a:rPr lang="en-US" sz="1600" dirty="0" err="1">
+              <a:rPr lang="en-US" sz="1500" dirty="0" err="1">
                 <a:solidFill>
                   <a:schemeClr val="bg1"/>
                 </a:solidFill>
@@ -6675,7 +6675,7 @@
               <a:t>preferred_salary</a:t>
             </a:r>
             <a:r>
-              <a:rPr lang="en-US" sz="1600" dirty="0">
+              <a:rPr lang="en-US" sz="1500" dirty="0">
                 <a:solidFill>
                   <a:schemeClr val="bg1"/>
                 </a:solidFill>
@@ -6695,7 +6695,7 @@
               <a:buChar char="•"/>
             </a:pPr>
             <a:r>
-              <a:rPr lang="en-US" sz="1600" dirty="0">
+              <a:rPr lang="en-US" sz="1500" dirty="0">
                 <a:solidFill>
                   <a:schemeClr val="bg1"/>
                 </a:solidFill>
@@ -6706,7 +6706,7 @@
               <a:t>Tuition_Post (</a:t>
             </a:r>
             <a:r>
-              <a:rPr lang="en-US" sz="1600" b="1" u="sng" dirty="0" err="1">
+              <a:rPr lang="en-US" sz="1500" b="1" u="sng" dirty="0" err="1">
                 <a:solidFill>
                   <a:schemeClr val="bg1"/>
                 </a:solidFill>
@@ -6717,7 +6717,7 @@
               <a:t>post_id</a:t>
             </a:r>
             <a:r>
-              <a:rPr lang="en-US" sz="1600" dirty="0">
+              <a:rPr lang="en-US" sz="1500" dirty="0">
                 <a:solidFill>
                   <a:schemeClr val="bg1"/>
                 </a:solidFill>
@@ -6728,7 +6728,7 @@
               <a:t>, </a:t>
             </a:r>
             <a:r>
-              <a:rPr lang="en-US" sz="1600" dirty="0" err="1">
+              <a:rPr lang="en-US" sz="1500" dirty="0" err="1">
                 <a:solidFill>
                   <a:schemeClr val="bg1"/>
                 </a:solidFill>
@@ -6739,7 +6739,7 @@
               <a:t>student_id</a:t>
             </a:r>
             <a:r>
-              <a:rPr lang="en-US" sz="1600" dirty="0">
+              <a:rPr lang="en-US" sz="1500" dirty="0">
                 <a:solidFill>
                   <a:schemeClr val="bg1"/>
                 </a:solidFill>
@@ -6750,7 +6750,7 @@
               <a:t>, </a:t>
             </a:r>
             <a:r>
-              <a:rPr lang="en-US" sz="1600" dirty="0" err="1">
+              <a:rPr lang="en-US" sz="1500" dirty="0" err="1">
                 <a:solidFill>
                   <a:schemeClr val="bg1"/>
                 </a:solidFill>
@@ -6761,7 +6761,7 @@
               <a:t>tuition_id</a:t>
             </a:r>
             <a:r>
-              <a:rPr lang="en-US" sz="1600" dirty="0">
+              <a:rPr lang="en-US" sz="1500" dirty="0">
                 <a:solidFill>
                   <a:schemeClr val="bg1"/>
                 </a:solidFill>
@@ -6772,7 +6772,7 @@
               <a:t>, timestamp, </a:t>
             </a:r>
             <a:r>
-              <a:rPr lang="en-US" sz="1600" dirty="0" err="1">
+              <a:rPr lang="en-US" sz="1500" dirty="0" err="1">
                 <a:solidFill>
                   <a:schemeClr val="bg1"/>
                 </a:solidFill>
@@ -6783,7 +6783,7 @@
               <a:t>desired_tutor_gender</a:t>
             </a:r>
             <a:r>
-              <a:rPr lang="en-US" sz="1600" dirty="0">
+              <a:rPr lang="en-US" sz="1500" dirty="0">
                 <a:solidFill>
                   <a:schemeClr val="bg1"/>
                 </a:solidFill>
@@ -6803,7 +6803,7 @@
               <a:buChar char="•"/>
             </a:pPr>
             <a:r>
-              <a:rPr lang="en-US" sz="1600" dirty="0">
+              <a:rPr lang="en-US" sz="1500" dirty="0">
                 <a:solidFill>
                   <a:schemeClr val="bg1"/>
                 </a:solidFill>
@@ -6814,7 +6814,7 @@
               <a:t>Tuition (</a:t>
             </a:r>
             <a:r>
-              <a:rPr lang="en-US" sz="1600" b="1" u="sng" dirty="0" err="1">
+              <a:rPr lang="en-US" sz="1500" b="1" u="sng" dirty="0" err="1">
                 <a:solidFill>
                   <a:schemeClr val="bg1"/>
                 </a:solidFill>
@@ -6825,7 +6825,7 @@
               <a:t>tuition_id</a:t>
             </a:r>
             <a:r>
-              <a:rPr lang="en-US" sz="1600" dirty="0">
+              <a:rPr lang="en-US" sz="1500" dirty="0">
                 <a:solidFill>
                   <a:schemeClr val="bg1"/>
                 </a:solidFill>
@@ -6836,7 +6836,7 @@
               <a:t>, salary, </a:t>
             </a:r>
             <a:r>
-              <a:rPr lang="en-US" sz="1600" dirty="0" err="1">
+              <a:rPr lang="en-US" sz="1500" dirty="0" err="1">
                 <a:solidFill>
                   <a:schemeClr val="bg1"/>
                 </a:solidFill>
@@ -6847,7 +6847,7 @@
               <a:t>days_per_week</a:t>
             </a:r>
             <a:r>
-              <a:rPr lang="en-US" sz="1600" dirty="0">
+              <a:rPr lang="en-US" sz="1500" dirty="0">
                 <a:solidFill>
                   <a:schemeClr val="bg1"/>
                 </a:solidFill>
@@ -6867,7 +6867,7 @@
               <a:buChar char="•"/>
             </a:pPr>
             <a:r>
-              <a:rPr lang="en-US" sz="1600" dirty="0">
+              <a:rPr lang="en-US" sz="1500" dirty="0">
                 <a:solidFill>
                   <a:schemeClr val="bg1"/>
                 </a:solidFill>
@@ -6878,7 +6878,7 @@
               <a:t>Coaching (</a:t>
             </a:r>
             <a:r>
-              <a:rPr lang="en-US" sz="1600" b="1" u="sng" dirty="0" err="1">
+              <a:rPr lang="en-US" sz="1500" b="1" u="sng" dirty="0" err="1">
                 <a:solidFill>
                   <a:schemeClr val="bg1"/>
                 </a:solidFill>
@@ -6889,7 +6889,7 @@
               <a:t>coaching_id</a:t>
             </a:r>
             <a:r>
-              <a:rPr lang="en-US" sz="1600" dirty="0">
+              <a:rPr lang="en-US" sz="1500" dirty="0">
                 <a:solidFill>
                   <a:schemeClr val="bg1"/>
                 </a:solidFill>
@@ -6909,7 +6909,7 @@
               <a:buChar char="•"/>
             </a:pPr>
             <a:r>
-              <a:rPr lang="en-US" sz="1600" dirty="0">
+              <a:rPr lang="en-US" sz="1500" dirty="0">
                 <a:solidFill>
                   <a:schemeClr val="bg1"/>
                 </a:solidFill>
@@ -6920,7 +6920,7 @@
               <a:t>Course (</a:t>
             </a:r>
             <a:r>
-              <a:rPr lang="en-US" sz="1600" b="1" u="sng" dirty="0" err="1">
+              <a:rPr lang="en-US" sz="1500" b="1" u="sng" dirty="0" err="1">
                 <a:solidFill>
                   <a:schemeClr val="bg1"/>
                 </a:solidFill>
@@ -6931,7 +6931,7 @@
               <a:t>course_id</a:t>
             </a:r>
             <a:r>
-              <a:rPr lang="en-US" sz="1600" dirty="0">
+              <a:rPr lang="en-US" sz="1500" dirty="0">
                 <a:solidFill>
                   <a:schemeClr val="bg1"/>
                 </a:solidFill>
@@ -6942,7 +6942,7 @@
               <a:t>, </a:t>
             </a:r>
             <a:r>
-              <a:rPr lang="en-US" sz="1600" dirty="0" err="1">
+              <a:rPr lang="en-US" sz="1500" dirty="0" err="1">
                 <a:solidFill>
                   <a:schemeClr val="bg1"/>
                 </a:solidFill>
@@ -6953,7 +6953,7 @@
               <a:t>coaching_id</a:t>
             </a:r>
             <a:r>
-              <a:rPr lang="en-US" sz="1600" dirty="0">
+              <a:rPr lang="en-US" sz="1500" dirty="0">
                 <a:solidFill>
                   <a:schemeClr val="bg1"/>
                 </a:solidFill>
@@ -6973,7 +6973,7 @@
               <a:buChar char="•"/>
             </a:pPr>
             <a:r>
-              <a:rPr lang="en-US" sz="1600" dirty="0">
+              <a:rPr lang="en-US" sz="1500" dirty="0">
                 <a:solidFill>
                   <a:schemeClr val="bg1"/>
                 </a:solidFill>
@@ -6984,7 +6984,7 @@
               <a:t>Address (</a:t>
             </a:r>
             <a:r>
-              <a:rPr lang="en-US" sz="1600" b="1" u="sng" dirty="0" err="1">
+              <a:rPr lang="en-US" sz="1500" b="1" u="sng" dirty="0" err="1">
                 <a:solidFill>
                   <a:schemeClr val="bg1"/>
                 </a:solidFill>
@@ -6995,7 +6995,7 @@
               <a:t>address_id</a:t>
             </a:r>
             <a:r>
-              <a:rPr lang="en-US" sz="1600" dirty="0">
+              <a:rPr lang="en-US" sz="1500" dirty="0">
                 <a:solidFill>
                   <a:schemeClr val="bg1"/>
                 </a:solidFill>
@@ -7006,7 +7006,7 @@
               <a:t>, city, district, area, post</a:t>
             </a:r>
             <a:r>
-              <a:rPr lang="en-US" sz="1600" u="sng" dirty="0">
+              <a:rPr lang="en-US" sz="1500" u="sng" dirty="0">
                 <a:solidFill>
                   <a:schemeClr val="bg1"/>
                 </a:solidFill>
@@ -7016,7 +7016,7 @@
               </a:rPr>
               <a:t>)</a:t>
             </a:r>
-            <a:endParaRPr lang="en-US" sz="1600" b="1" u="sng" dirty="0">
+            <a:endParaRPr lang="en-US" sz="1500" b="1" u="sng" dirty="0">
               <a:solidFill>
                 <a:schemeClr val="bg1"/>
               </a:solidFill>
@@ -7034,7 +7034,7 @@
               <a:buChar char="•"/>
             </a:pPr>
             <a:r>
-              <a:rPr lang="en-US" sz="1600" dirty="0">
+              <a:rPr lang="en-US" sz="1500" dirty="0">
                 <a:solidFill>
                   <a:schemeClr val="bg1"/>
                 </a:solidFill>
@@ -7045,7 +7045,7 @@
               <a:t>Education (</a:t>
             </a:r>
             <a:r>
-              <a:rPr lang="en-US" sz="1600" b="1" u="sng" dirty="0" err="1">
+              <a:rPr lang="en-US" sz="1500" b="1" u="sng" dirty="0" err="1">
                 <a:solidFill>
                   <a:schemeClr val="bg1"/>
                 </a:solidFill>
@@ -7056,7 +7056,7 @@
               <a:t>education_id</a:t>
             </a:r>
             <a:r>
-              <a:rPr lang="en-US" sz="1600" dirty="0">
+              <a:rPr lang="en-US" sz="1500" dirty="0">
                 <a:solidFill>
                   <a:schemeClr val="bg1"/>
                 </a:solidFill>
@@ -7067,7 +7067,7 @@
               <a:t>, tutor_id, degree, </a:t>
             </a:r>
             <a:r>
-              <a:rPr lang="en-US" sz="1600" dirty="0" err="1">
+              <a:rPr lang="en-US" sz="1500" dirty="0" err="1">
                 <a:solidFill>
                   <a:schemeClr val="bg1"/>
                 </a:solidFill>
@@ -7078,7 +7078,7 @@
               <a:t>field_of_study</a:t>
             </a:r>
             <a:r>
-              <a:rPr lang="en-US" sz="1600" dirty="0">
+              <a:rPr lang="en-US" sz="1500" dirty="0">
                 <a:solidFill>
                   <a:schemeClr val="bg1"/>
                 </a:solidFill>
@@ -7089,7 +7089,7 @@
               <a:t>, grade, institute, </a:t>
             </a:r>
             <a:r>
-              <a:rPr lang="en-US" sz="1600" dirty="0" err="1">
+              <a:rPr lang="en-US" sz="1500" dirty="0" err="1">
                 <a:solidFill>
                   <a:schemeClr val="bg1"/>
                 </a:solidFill>
@@ -7100,7 +7100,7 @@
               <a:t>start_date</a:t>
             </a:r>
             <a:r>
-              <a:rPr lang="en-US" sz="1600" dirty="0">
+              <a:rPr lang="en-US" sz="1500" dirty="0">
                 <a:solidFill>
                   <a:schemeClr val="bg1"/>
                 </a:solidFill>
@@ -7111,7 +7111,7 @@
               <a:t>, </a:t>
             </a:r>
             <a:r>
-              <a:rPr lang="en-US" sz="1600" dirty="0" err="1">
+              <a:rPr lang="en-US" sz="1500" dirty="0" err="1">
                 <a:solidFill>
                   <a:schemeClr val="bg1"/>
                 </a:solidFill>
@@ -7122,7 +7122,49 @@
               <a:t>end_date</a:t>
             </a:r>
             <a:r>
-              <a:rPr lang="en-US" sz="1600" dirty="0">
+              <a:rPr lang="en-US" sz="1500" dirty="0">
+                <a:solidFill>
+                  <a:schemeClr val="bg1"/>
+                </a:solidFill>
+                <a:latin typeface="Cambria Math" panose="02040503050406030204" pitchFamily="18" charset="0"/>
+                <a:ea typeface="Cambria Math" panose="02040503050406030204" pitchFamily="18" charset="0"/>
+                <a:cs typeface="Arial" panose="020B0604020202020204" pitchFamily="34" charset="0"/>
+              </a:rPr>
+              <a:t>)</a:t>
+            </a:r>
+          </a:p>
+          <a:p>
+            <a:pPr marL="742950" lvl="1" indent="-285750">
+              <a:lnSpc>
+                <a:spcPct val="150000"/>
+              </a:lnSpc>
+              <a:buFont typeface="Arial" panose="020B0604020202020204" pitchFamily="34" charset="0"/>
+              <a:buChar char="•"/>
+            </a:pPr>
+            <a:r>
+              <a:rPr lang="en-US" sz="1500" dirty="0">
+                <a:solidFill>
+                  <a:schemeClr val="bg1"/>
+                </a:solidFill>
+                <a:latin typeface="Cambria Math" panose="02040503050406030204" pitchFamily="18" charset="0"/>
+                <a:ea typeface="Cambria Math" panose="02040503050406030204" pitchFamily="18" charset="0"/>
+                <a:cs typeface="Arial" panose="020B0604020202020204" pitchFamily="34" charset="0"/>
+              </a:rPr>
+              <a:t>Subject (</a:t>
+            </a:r>
+            <a:r>
+              <a:rPr lang="en-US" sz="1500" b="1" u="sng" dirty="0">
+                <a:solidFill>
+                  <a:schemeClr val="bg1"/>
+                </a:solidFill>
+                <a:latin typeface="Cambria Math" panose="02040503050406030204" pitchFamily="18" charset="0"/>
+                <a:ea typeface="Cambria Math" panose="02040503050406030204" pitchFamily="18" charset="0"/>
+                <a:cs typeface="Arial" panose="020B0604020202020204" pitchFamily="34" charset="0"/>
+              </a:rPr>
+              <a:t>name</a:t>
+            </a:r>
+            <a:r>
+              <a:rPr lang="en-US" sz="1500" dirty="0">
                 <a:solidFill>
                   <a:schemeClr val="bg1"/>
                 </a:solidFill>
@@ -7139,7 +7181,7 @@
                 <a:spcPct val="150000"/>
               </a:lnSpc>
             </a:pPr>
-            <a:endParaRPr lang="en-US" sz="1600" dirty="0">
+            <a:endParaRPr lang="en-US" sz="1500" dirty="0">
               <a:solidFill>
                 <a:schemeClr val="bg1"/>
               </a:solidFill>

--- a/HIDDEN-BRAIN.pptx
+++ b/HIDDEN-BRAIN.pptx
@@ -204,7 +204,7 @@
           <a:p>
             <a:fld id="{AFD01546-198A-4195-BCF8-F0FF54C90E5E}" type="datetimeFigureOut">
               <a:rPr lang="en-US" smtClean="0"/>
-              <a:t>6/24/2022</a:t>
+              <a:t>6/30/2022</a:t>
             </a:fld>
             <a:endParaRPr lang="en-US" dirty="0"/>
           </a:p>
@@ -656,7 +656,7 @@
           <a:p>
             <a:fld id="{88D38747-4367-4BD2-8D51-C97E202738E2}" type="datetime1">
               <a:rPr lang="en-US" smtClean="0"/>
-              <a:t>6/24/2022</a:t>
+              <a:t>6/30/2022</a:t>
             </a:fld>
             <a:endParaRPr lang="en-US" dirty="0"/>
           </a:p>
@@ -960,7 +960,7 @@
           <a:p>
             <a:fld id="{11F1B079-7EF0-44EE-B798-BCC497C9F3B2}" type="datetime1">
               <a:rPr lang="en-US" smtClean="0"/>
-              <a:t>6/24/2022</a:t>
+              <a:t>6/30/2022</a:t>
             </a:fld>
             <a:endParaRPr lang="en-US" dirty="0"/>
           </a:p>
@@ -1154,7 +1154,7 @@
           <a:p>
             <a:fld id="{28FF70A8-1D13-4657-95F0-A9EA54967B8D}" type="datetime1">
               <a:rPr lang="en-US" smtClean="0"/>
-              <a:t>6/24/2022</a:t>
+              <a:t>6/30/2022</a:t>
             </a:fld>
             <a:endParaRPr lang="en-US" dirty="0"/>
           </a:p>
@@ -1417,7 +1417,7 @@
           <a:p>
             <a:fld id="{21EB90AC-71BD-4C7F-8ACA-7B3F18292E63}" type="datetime1">
               <a:rPr lang="en-US" smtClean="0"/>
-              <a:t>6/24/2022</a:t>
+              <a:t>6/30/2022</a:t>
             </a:fld>
             <a:endParaRPr lang="en-US" dirty="0"/>
           </a:p>
@@ -1853,7 +1853,7 @@
           <a:p>
             <a:fld id="{4E6EFC2C-8905-46F0-B443-CE905B76BA01}" type="datetime1">
               <a:rPr lang="en-US" smtClean="0"/>
-              <a:t>6/24/2022</a:t>
+              <a:t>6/30/2022</a:t>
             </a:fld>
             <a:endParaRPr lang="en-US" dirty="0"/>
           </a:p>
@@ -2390,7 +2390,7 @@
           <a:p>
             <a:fld id="{D9079DC3-C9B5-499E-9140-0DC28B7074E2}" type="datetime1">
               <a:rPr lang="en-US" smtClean="0"/>
-              <a:t>6/24/2022</a:t>
+              <a:t>6/30/2022</a:t>
             </a:fld>
             <a:endParaRPr lang="en-US" dirty="0"/>
           </a:p>
@@ -3269,7 +3269,7 @@
           <a:p>
             <a:fld id="{30BB33EA-E472-4D22-9C03-A9C14AA21CED}" type="datetime1">
               <a:rPr lang="en-US" smtClean="0"/>
-              <a:t>6/24/2022</a:t>
+              <a:t>6/30/2022</a:t>
             </a:fld>
             <a:endParaRPr lang="en-US" dirty="0"/>
           </a:p>
@@ -3439,7 +3439,7 @@
           <a:p>
             <a:fld id="{73C55A3C-5767-4844-A0A3-83778C2E5409}" type="datetime1">
               <a:rPr lang="en-US" smtClean="0"/>
-              <a:t>6/24/2022</a:t>
+              <a:t>6/30/2022</a:t>
             </a:fld>
             <a:endParaRPr lang="en-US" dirty="0"/>
           </a:p>
@@ -3683,7 +3683,7 @@
           <a:p>
             <a:fld id="{CAE507A8-A5CF-4D38-AB86-7EDDA87A85D4}" type="datetime1">
               <a:rPr lang="en-US" smtClean="0"/>
-              <a:t>6/24/2022</a:t>
+              <a:t>6/30/2022</a:t>
             </a:fld>
             <a:endParaRPr lang="en-US" dirty="0"/>
           </a:p>
@@ -3925,7 +3925,7 @@
           <a:p>
             <a:fld id="{BDFCD27C-8599-43EF-BA1D-14DDC1946E06}" type="datetime1">
               <a:rPr lang="en-US" smtClean="0"/>
-              <a:t>6/24/2022</a:t>
+              <a:t>6/30/2022</a:t>
             </a:fld>
             <a:endParaRPr lang="en-US" dirty="0"/>
           </a:p>
@@ -4408,7 +4408,7 @@
           <a:p>
             <a:fld id="{49343D99-809A-49C0-96E5-4250D0B498EE}" type="datetime1">
               <a:rPr lang="en-US" smtClean="0"/>
-              <a:t>6/24/2022</a:t>
+              <a:t>6/30/2022</a:t>
             </a:fld>
             <a:endParaRPr lang="en-US" dirty="0"/>
           </a:p>
@@ -4526,7 +4526,7 @@
           <a:p>
             <a:fld id="{A143DE9B-B678-4EFB-BB7D-A4370204A0B0}" type="datetime1">
               <a:rPr lang="en-US" smtClean="0"/>
-              <a:t>6/24/2022</a:t>
+              <a:t>6/30/2022</a:t>
             </a:fld>
             <a:endParaRPr lang="en-US" dirty="0"/>
           </a:p>
@@ -4621,7 +4621,7 @@
           <a:p>
             <a:fld id="{E68812DA-F765-4142-A6A3-A8ED7235E082}" type="datetime1">
               <a:rPr lang="en-US" smtClean="0"/>
-              <a:t>6/24/2022</a:t>
+              <a:t>6/30/2022</a:t>
             </a:fld>
             <a:endParaRPr lang="en-US" dirty="0"/>
           </a:p>
@@ -4876,7 +4876,7 @@
           <a:p>
             <a:fld id="{3E0277FD-7DE6-41D4-930D-AC99F5AFE54E}" type="datetime1">
               <a:rPr lang="en-US" smtClean="0"/>
-              <a:t>6/24/2022</a:t>
+              <a:t>6/30/2022</a:t>
             </a:fld>
             <a:endParaRPr lang="en-US" dirty="0"/>
           </a:p>
@@ -5182,7 +5182,7 @@
           <a:p>
             <a:fld id="{9EA15526-7079-4B7B-987C-1B5FAE11A0FF}" type="datetime1">
               <a:rPr lang="en-US" smtClean="0"/>
-              <a:t>6/24/2022</a:t>
+              <a:t>6/30/2022</a:t>
             </a:fld>
             <a:endParaRPr lang="en-US" dirty="0"/>
           </a:p>
@@ -5417,7 +5417,7 @@
           <a:p>
             <a:fld id="{073ED0CC-082F-4160-86E5-0D6041F12778}" type="datetime1">
               <a:rPr lang="en-US" smtClean="0"/>
-              <a:t>6/24/2022</a:t>
+              <a:t>6/30/2022</a:t>
             </a:fld>
             <a:endParaRPr lang="en-US" dirty="0"/>
           </a:p>
@@ -6375,7 +6375,7 @@
         </p:blipFill>
         <p:spPr>
           <a:xfrm>
-            <a:off x="8646" y="10"/>
+            <a:off x="17272" y="10"/>
             <a:ext cx="12191980" cy="6857990"/>
           </a:xfrm>
           <a:prstGeom prst="rect">
@@ -6844,19 +6844,38 @@
                 <a:ea typeface="Cambria Math" panose="02040503050406030204" pitchFamily="18" charset="0"/>
                 <a:cs typeface="Arial" panose="020B0604020202020204" pitchFamily="34" charset="0"/>
               </a:rPr>
-              <a:t>days_per_week</a:t>
-            </a:r>
-            <a:r>
-              <a:rPr lang="en-US" sz="1500" dirty="0">
-                <a:solidFill>
-                  <a:schemeClr val="bg1"/>
-                </a:solidFill>
-                <a:latin typeface="Cambria Math" panose="02040503050406030204" pitchFamily="18" charset="0"/>
-                <a:ea typeface="Cambria Math" panose="02040503050406030204" pitchFamily="18" charset="0"/>
-                <a:cs typeface="Arial" panose="020B0604020202020204" pitchFamily="34" charset="0"/>
-              </a:rPr>
-              <a:t>)</a:t>
-            </a:r>
+              <a:t>days_per_</a:t>
+            </a:r>
+            <a:r>
+              <a:rPr lang="en-US" sz="1500" err="1">
+                <a:solidFill>
+                  <a:schemeClr val="bg1"/>
+                </a:solidFill>
+                <a:latin typeface="Cambria Math" panose="02040503050406030204" pitchFamily="18" charset="0"/>
+                <a:ea typeface="Cambria Math" panose="02040503050406030204" pitchFamily="18" charset="0"/>
+                <a:cs typeface="Arial" panose="020B0604020202020204" pitchFamily="34" charset="0"/>
+              </a:rPr>
+              <a:t>week</a:t>
+            </a:r>
+            <a:r>
+              <a:rPr lang="en-US" sz="1500">
+                <a:solidFill>
+                  <a:schemeClr val="bg1"/>
+                </a:solidFill>
+                <a:latin typeface="Cambria Math" panose="02040503050406030204" pitchFamily="18" charset="0"/>
+                <a:ea typeface="Cambria Math" panose="02040503050406030204" pitchFamily="18" charset="0"/>
+                <a:cs typeface="Arial" panose="020B0604020202020204" pitchFamily="34" charset="0"/>
+              </a:rPr>
+              <a:t>,type)</a:t>
+            </a:r>
+            <a:endParaRPr lang="en-US" sz="1500" dirty="0">
+              <a:solidFill>
+                <a:schemeClr val="bg1"/>
+              </a:solidFill>
+              <a:latin typeface="Cambria Math" panose="02040503050406030204" pitchFamily="18" charset="0"/>
+              <a:ea typeface="Cambria Math" panose="02040503050406030204" pitchFamily="18" charset="0"/>
+              <a:cs typeface="Arial" panose="020B0604020202020204" pitchFamily="34" charset="0"/>
+            </a:endParaRPr>
           </a:p>
           <a:p>
             <a:pPr marL="742950" lvl="1" indent="-285750">
@@ -9585,6 +9604,24 @@
 </file>
 
 <file path=customXml/item1.xml><?xml version="1.0" encoding="utf-8"?>
+<?mso-contentType ?>
+<FormTemplates xmlns="http://schemas.microsoft.com/sharepoint/v3/contenttype/forms">
+  <Display>DocumentLibraryForm</Display>
+  <Edit>DocumentLibraryForm</Edit>
+  <New>DocumentLibraryForm</New>
+</FormTemplates>
+</file>
+
+<file path=customXml/item2.xml><?xml version="1.0" encoding="utf-8"?>
+<p:properties xmlns:p="http://schemas.microsoft.com/office/2006/metadata/properties" xmlns:xsi="http://www.w3.org/2001/XMLSchema-instance" xmlns:pc="http://schemas.microsoft.com/office/infopath/2007/PartnerControls">
+  <documentManagement>
+    <Status xmlns="71af3243-3dd4-4a8d-8c0d-dd76da1f02a5">Not started</Status>
+    <MediaServiceKeyPoints xmlns="71af3243-3dd4-4a8d-8c0d-dd76da1f02a5" xsi:nil="true"/>
+  </documentManagement>
+</p:properties>
+</file>
+
+<file path=customXml/item3.xml><?xml version="1.0" encoding="utf-8"?>
 <ct:contentTypeSchema xmlns:ct="http://schemas.microsoft.com/office/2006/metadata/contentType" xmlns:ma="http://schemas.microsoft.com/office/2006/metadata/properties/metaAttributes" ct:_="" ma:_="" ma:contentTypeName="Document" ma:contentTypeID="0x01010079F111ED35F8CC479449609E8A0923A6" ma:contentTypeVersion="12" ma:contentTypeDescription="Create a new document." ma:contentTypeScope="" ma:versionID="a410dd7f93c95333ffa1b60ed6adedd1">
   <xsd:schema xmlns:xsd="http://www.w3.org/2001/XMLSchema" xmlns:xs="http://www.w3.org/2001/XMLSchema" xmlns:p="http://schemas.microsoft.com/office/2006/metadata/properties" xmlns:ns2="71af3243-3dd4-4a8d-8c0d-dd76da1f02a5" xmlns:ns3="16c05727-aa75-4e4a-9b5f-8a80a1165891" targetNamespace="http://schemas.microsoft.com/office/2006/metadata/properties" ma:root="true" ma:fieldsID="a936d9baba76aa3866493feff160faab" ns2:_="" ns3:_="">
     <xsd:import namespace="71af3243-3dd4-4a8d-8c0d-dd76da1f02a5"/>
@@ -9805,25 +9842,25 @@
 </ct:contentTypeSchema>
 </file>
 
-<file path=customXml/item2.xml><?xml version="1.0" encoding="utf-8"?>
-<p:properties xmlns:p="http://schemas.microsoft.com/office/2006/metadata/properties" xmlns:xsi="http://www.w3.org/2001/XMLSchema-instance" xmlns:pc="http://schemas.microsoft.com/office/infopath/2007/PartnerControls">
-  <documentManagement>
-    <Status xmlns="71af3243-3dd4-4a8d-8c0d-dd76da1f02a5">Not started</Status>
-    <MediaServiceKeyPoints xmlns="71af3243-3dd4-4a8d-8c0d-dd76da1f02a5" xsi:nil="true"/>
-  </documentManagement>
-</p:properties>
+<file path=customXml/itemProps1.xml><?xml version="1.0" encoding="utf-8"?>
+<ds:datastoreItem xmlns:ds="http://schemas.openxmlformats.org/officeDocument/2006/customXml" ds:itemID="{64B270AB-C138-415C-897E-3C24487DECF1}">
+  <ds:schemaRefs>
+    <ds:schemaRef ds:uri="http://schemas.microsoft.com/sharepoint/v3/contenttype/forms"/>
+  </ds:schemaRefs>
+</ds:datastoreItem>
 </file>
 
-<file path=customXml/item3.xml><?xml version="1.0" encoding="utf-8"?>
-<?mso-contentType ?>
-<FormTemplates xmlns="http://schemas.microsoft.com/sharepoint/v3/contenttype/forms">
-  <Display>DocumentLibraryForm</Display>
-  <Edit>DocumentLibraryForm</Edit>
-  <New>DocumentLibraryForm</New>
-</FormTemplates>
+<file path=customXml/itemProps2.xml><?xml version="1.0" encoding="utf-8"?>
+<ds:datastoreItem xmlns:ds="http://schemas.openxmlformats.org/officeDocument/2006/customXml" ds:itemID="{2C4C00F4-06E9-43E3-AD97-88A857CEFA82}">
+  <ds:schemaRefs>
+    <ds:schemaRef ds:uri="http://schemas.microsoft.com/office/2006/metadata/properties"/>
+    <ds:schemaRef ds:uri="http://schemas.microsoft.com/office/infopath/2007/PartnerControls"/>
+    <ds:schemaRef ds:uri="71af3243-3dd4-4a8d-8c0d-dd76da1f02a5"/>
+  </ds:schemaRefs>
+</ds:datastoreItem>
 </file>
 
-<file path=customXml/itemProps1.xml><?xml version="1.0" encoding="utf-8"?>
+<file path=customXml/itemProps3.xml><?xml version="1.0" encoding="utf-8"?>
 <ds:datastoreItem xmlns:ds="http://schemas.openxmlformats.org/officeDocument/2006/customXml" ds:itemID="{0585E981-8C91-4205-A0C3-C991F42B4C9E}">
   <ds:schemaRefs>
     <ds:schemaRef ds:uri="http://schemas.microsoft.com/office/2006/metadata/contentType"/>
@@ -9840,22 +9877,4 @@
     <ds:schemaRef ds:uri="http://schemas.microsoft.com/internal/obd"/>
   </ds:schemaRefs>
 </ds:datastoreItem>
-</file>
-
-<file path=customXml/itemProps2.xml><?xml version="1.0" encoding="utf-8"?>
-<ds:datastoreItem xmlns:ds="http://schemas.openxmlformats.org/officeDocument/2006/customXml" ds:itemID="{2C4C00F4-06E9-43E3-AD97-88A857CEFA82}">
-  <ds:schemaRefs>
-    <ds:schemaRef ds:uri="http://schemas.microsoft.com/office/2006/metadata/properties"/>
-    <ds:schemaRef ds:uri="http://schemas.microsoft.com/office/infopath/2007/PartnerControls"/>
-    <ds:schemaRef ds:uri="71af3243-3dd4-4a8d-8c0d-dd76da1f02a5"/>
-  </ds:schemaRefs>
-</ds:datastoreItem>
-</file>
-
-<file path=customXml/itemProps3.xml><?xml version="1.0" encoding="utf-8"?>
-<ds:datastoreItem xmlns:ds="http://schemas.openxmlformats.org/officeDocument/2006/customXml" ds:itemID="{64B270AB-C138-415C-897E-3C24487DECF1}">
-  <ds:schemaRefs>
-    <ds:schemaRef ds:uri="http://schemas.microsoft.com/sharepoint/v3/contenttype/forms"/>
-  </ds:schemaRefs>
-</ds:datastoreItem>
 </file>
--- a/HIDDEN-BRAIN.pptx
+++ b/HIDDEN-BRAIN.pptx
@@ -6375,7 +6375,7 @@
         </p:blipFill>
         <p:spPr>
           <a:xfrm>
-            <a:off x="17272" y="10"/>
+            <a:off x="20" y="10"/>
             <a:ext cx="12191980" cy="6857990"/>
           </a:xfrm>
           <a:prstGeom prst="rect">
@@ -6844,38 +6844,19 @@
                 <a:ea typeface="Cambria Math" panose="02040503050406030204" pitchFamily="18" charset="0"/>
                 <a:cs typeface="Arial" panose="020B0604020202020204" pitchFamily="34" charset="0"/>
               </a:rPr>
-              <a:t>days_per_</a:t>
-            </a:r>
-            <a:r>
-              <a:rPr lang="en-US" sz="1500" err="1">
-                <a:solidFill>
-                  <a:schemeClr val="bg1"/>
-                </a:solidFill>
-                <a:latin typeface="Cambria Math" panose="02040503050406030204" pitchFamily="18" charset="0"/>
-                <a:ea typeface="Cambria Math" panose="02040503050406030204" pitchFamily="18" charset="0"/>
-                <a:cs typeface="Arial" panose="020B0604020202020204" pitchFamily="34" charset="0"/>
-              </a:rPr>
-              <a:t>week</a:t>
-            </a:r>
-            <a:r>
-              <a:rPr lang="en-US" sz="1500">
-                <a:solidFill>
-                  <a:schemeClr val="bg1"/>
-                </a:solidFill>
-                <a:latin typeface="Cambria Math" panose="02040503050406030204" pitchFamily="18" charset="0"/>
-                <a:ea typeface="Cambria Math" panose="02040503050406030204" pitchFamily="18" charset="0"/>
-                <a:cs typeface="Arial" panose="020B0604020202020204" pitchFamily="34" charset="0"/>
-              </a:rPr>
-              <a:t>,type)</a:t>
-            </a:r>
-            <a:endParaRPr lang="en-US" sz="1500" dirty="0">
-              <a:solidFill>
-                <a:schemeClr val="bg1"/>
-              </a:solidFill>
-              <a:latin typeface="Cambria Math" panose="02040503050406030204" pitchFamily="18" charset="0"/>
-              <a:ea typeface="Cambria Math" panose="02040503050406030204" pitchFamily="18" charset="0"/>
-              <a:cs typeface="Arial" panose="020B0604020202020204" pitchFamily="34" charset="0"/>
-            </a:endParaRPr>
+              <a:t>days_per_week,type</a:t>
+            </a:r>
+            <a:r>
+              <a:rPr lang="en-US" sz="1500" dirty="0">
+                <a:solidFill>
+                  <a:schemeClr val="bg1"/>
+                </a:solidFill>
+                <a:latin typeface="Cambria Math" panose="02040503050406030204" pitchFamily="18" charset="0"/>
+                <a:ea typeface="Cambria Math" panose="02040503050406030204" pitchFamily="18" charset="0"/>
+                <a:cs typeface="Arial" panose="020B0604020202020204" pitchFamily="34" charset="0"/>
+              </a:rPr>
+              <a:t>)</a:t>
+            </a:r>
           </a:p>
           <a:p>
             <a:pPr marL="742950" lvl="1" indent="-285750">
